--- a/Suomen Bitcoin-yhdistys -banner.pptx
+++ b/Suomen Bitcoin-yhdistys -banner.pptx
@@ -5,14 +5,15 @@
     <p:sldMasterId id="2147483672" r:id="rId1"/>
   </p:sldMasterIdLst>
   <p:sldIdLst>
-    <p:sldId id="260" r:id="rId2"/>
-    <p:sldId id="257" r:id="rId3"/>
-    <p:sldId id="261" r:id="rId4"/>
-    <p:sldId id="259" r:id="rId5"/>
-    <p:sldId id="262" r:id="rId6"/>
-    <p:sldId id="263" r:id="rId7"/>
-    <p:sldId id="256" r:id="rId8"/>
-    <p:sldId id="258" r:id="rId9"/>
+    <p:sldId id="264" r:id="rId2"/>
+    <p:sldId id="260" r:id="rId3"/>
+    <p:sldId id="257" r:id="rId4"/>
+    <p:sldId id="261" r:id="rId5"/>
+    <p:sldId id="259" r:id="rId6"/>
+    <p:sldId id="262" r:id="rId7"/>
+    <p:sldId id="263" r:id="rId8"/>
+    <p:sldId id="256" r:id="rId9"/>
+    <p:sldId id="258" r:id="rId10"/>
   </p:sldIdLst>
   <p:sldSz cx="9720263" cy="3240088"/>
   <p:notesSz cx="6858000" cy="9144000"/>
@@ -122,7 +123,7 @@
 <file path=ppt/revisionInfo.xml><?xml version="1.0" encoding="utf-8"?>
 <p1510:revInfo xmlns:a="http://schemas.openxmlformats.org/drawingml/2006/main" xmlns:r="http://schemas.openxmlformats.org/officeDocument/2006/relationships" xmlns:p1510="http://schemas.microsoft.com/office/powerpoint/2015/10/main">
   <p1510:revLst>
-    <p1510:client id="{4F7306D2-1A5C-4487-A62A-20D300388C93}" v="2" dt="2024-03-15T16:11:16.658"/>
+    <p1510:client id="{4F7306D2-1A5C-4487-A62A-20D300388C93}" v="19" dt="2024-03-16T13:45:14.322"/>
   </p1510:revLst>
 </p1510:revInfo>
 </file>
@@ -362,7 +363,7 @@
   <pc:docChgLst>
     <pc:chgData name="Tomi Lind" userId="73fe6e1701840021" providerId="LiveId" clId="{4F7306D2-1A5C-4487-A62A-20D300388C93}"/>
     <pc:docChg chg="undo redo custSel addSld modSld sldOrd">
-      <pc:chgData name="Tomi Lind" userId="73fe6e1701840021" providerId="LiveId" clId="{4F7306D2-1A5C-4487-A62A-20D300388C93}" dt="2024-03-15T16:22:15.969" v="214" actId="255"/>
+      <pc:chgData name="Tomi Lind" userId="73fe6e1701840021" providerId="LiveId" clId="{4F7306D2-1A5C-4487-A62A-20D300388C93}" dt="2024-03-16T13:45:39.444" v="261" actId="14100"/>
       <pc:docMkLst>
         <pc:docMk/>
       </pc:docMkLst>
@@ -503,6 +504,69 @@
             <ac:spMk id="4" creationId="{6A27C49D-2631-B0BB-B113-6105C713D41F}"/>
           </ac:spMkLst>
         </pc:spChg>
+      </pc:sldChg>
+      <pc:sldChg chg="addSp delSp modSp add mod ord">
+        <pc:chgData name="Tomi Lind" userId="73fe6e1701840021" providerId="LiveId" clId="{4F7306D2-1A5C-4487-A62A-20D300388C93}" dt="2024-03-16T13:45:39.444" v="261" actId="14100"/>
+        <pc:sldMkLst>
+          <pc:docMk/>
+          <pc:sldMk cId="1650475039" sldId="264"/>
+        </pc:sldMkLst>
+        <pc:spChg chg="add mod">
+          <ac:chgData name="Tomi Lind" userId="73fe6e1701840021" providerId="LiveId" clId="{4F7306D2-1A5C-4487-A62A-20D300388C93}" dt="2024-03-16T13:45:20.758" v="256" actId="113"/>
+          <ac:spMkLst>
+            <pc:docMk/>
+            <pc:sldMk cId="1650475039" sldId="264"/>
+            <ac:spMk id="2" creationId="{5C792634-7BD4-248C-B2AA-271A6A4338AC}"/>
+          </ac:spMkLst>
+        </pc:spChg>
+        <pc:spChg chg="mod">
+          <ac:chgData name="Tomi Lind" userId="73fe6e1701840021" providerId="LiveId" clId="{4F7306D2-1A5C-4487-A62A-20D300388C93}" dt="2024-03-16T13:44:50.731" v="243" actId="1076"/>
+          <ac:spMkLst>
+            <pc:docMk/>
+            <pc:sldMk cId="1650475039" sldId="264"/>
+            <ac:spMk id="3" creationId="{C404225F-4EB9-154C-370B-F266805E2500}"/>
+          </ac:spMkLst>
+        </pc:spChg>
+        <pc:spChg chg="mod">
+          <ac:chgData name="Tomi Lind" userId="73fe6e1701840021" providerId="LiveId" clId="{4F7306D2-1A5C-4487-A62A-20D300388C93}" dt="2024-03-16T13:44:50.731" v="243" actId="1076"/>
+          <ac:spMkLst>
+            <pc:docMk/>
+            <pc:sldMk cId="1650475039" sldId="264"/>
+            <ac:spMk id="4" creationId="{6A27C49D-2631-B0BB-B113-6105C713D41F}"/>
+          </ac:spMkLst>
+        </pc:spChg>
+        <pc:spChg chg="del mod">
+          <ac:chgData name="Tomi Lind" userId="73fe6e1701840021" providerId="LiveId" clId="{4F7306D2-1A5C-4487-A62A-20D300388C93}" dt="2024-03-16T13:42:38.675" v="230" actId="478"/>
+          <ac:spMkLst>
+            <pc:docMk/>
+            <pc:sldMk cId="1650475039" sldId="264"/>
+            <ac:spMk id="7" creationId="{BF986235-E355-E1CA-EFAD-C51B87CEEC38}"/>
+          </ac:spMkLst>
+        </pc:spChg>
+        <pc:spChg chg="del">
+          <ac:chgData name="Tomi Lind" userId="73fe6e1701840021" providerId="LiveId" clId="{4F7306D2-1A5C-4487-A62A-20D300388C93}" dt="2024-03-16T13:42:29.948" v="228" actId="478"/>
+          <ac:spMkLst>
+            <pc:docMk/>
+            <pc:sldMk cId="1650475039" sldId="264"/>
+            <ac:spMk id="9" creationId="{62161D68-DE97-2ADD-3A61-02953B109729}"/>
+          </ac:spMkLst>
+        </pc:spChg>
+        <pc:grpChg chg="mod">
+          <ac:chgData name="Tomi Lind" userId="73fe6e1701840021" providerId="LiveId" clId="{4F7306D2-1A5C-4487-A62A-20D300388C93}" dt="2024-03-16T13:44:50.731" v="243" actId="1076"/>
+          <ac:grpSpMkLst>
+            <pc:docMk/>
+            <pc:sldMk cId="1650475039" sldId="264"/>
+            <ac:grpSpMk id="38" creationId="{903AFFB8-7333-CA7E-3061-936D3CC39B64}"/>
+          </ac:grpSpMkLst>
+        </pc:grpChg>
+        <pc:picChg chg="mod">
+          <ac:chgData name="Tomi Lind" userId="73fe6e1701840021" providerId="LiveId" clId="{4F7306D2-1A5C-4487-A62A-20D300388C93}" dt="2024-03-16T13:45:39.444" v="261" actId="14100"/>
+          <ac:picMkLst>
+            <pc:docMk/>
+            <pc:sldMk cId="1650475039" sldId="264"/>
+            <ac:picMk id="5" creationId="{11EF052E-35D6-4E6A-95C6-AC199D9C01EB}"/>
+          </ac:picMkLst>
+        </pc:picChg>
       </pc:sldChg>
     </pc:docChg>
   </pc:docChgLst>
@@ -1224,7 +1288,7 @@
           <a:p>
             <a:fld id="{75D0A277-1334-4236-85D9-B2D317AA20BB}" type="datetimeFigureOut">
               <a:rPr lang="en-FI" smtClean="0"/>
-              <a:t>15/03/2024</a:t>
+              <a:t>16/03/2024</a:t>
             </a:fld>
             <a:endParaRPr lang="en-FI"/>
           </a:p>
@@ -1394,7 +1458,7 @@
           <a:p>
             <a:fld id="{75D0A277-1334-4236-85D9-B2D317AA20BB}" type="datetimeFigureOut">
               <a:rPr lang="en-FI" smtClean="0"/>
-              <a:t>15/03/2024</a:t>
+              <a:t>16/03/2024</a:t>
             </a:fld>
             <a:endParaRPr lang="en-FI"/>
           </a:p>
@@ -1574,7 +1638,7 @@
           <a:p>
             <a:fld id="{75D0A277-1334-4236-85D9-B2D317AA20BB}" type="datetimeFigureOut">
               <a:rPr lang="en-FI" smtClean="0"/>
-              <a:t>15/03/2024</a:t>
+              <a:t>16/03/2024</a:t>
             </a:fld>
             <a:endParaRPr lang="en-FI"/>
           </a:p>
@@ -1744,7 +1808,7 @@
           <a:p>
             <a:fld id="{75D0A277-1334-4236-85D9-B2D317AA20BB}" type="datetimeFigureOut">
               <a:rPr lang="en-FI" smtClean="0"/>
-              <a:t>15/03/2024</a:t>
+              <a:t>16/03/2024</a:t>
             </a:fld>
             <a:endParaRPr lang="en-FI"/>
           </a:p>
@@ -1990,7 +2054,7 @@
           <a:p>
             <a:fld id="{75D0A277-1334-4236-85D9-B2D317AA20BB}" type="datetimeFigureOut">
               <a:rPr lang="en-FI" smtClean="0"/>
-              <a:t>15/03/2024</a:t>
+              <a:t>16/03/2024</a:t>
             </a:fld>
             <a:endParaRPr lang="en-FI"/>
           </a:p>
@@ -2222,7 +2286,7 @@
           <a:p>
             <a:fld id="{75D0A277-1334-4236-85D9-B2D317AA20BB}" type="datetimeFigureOut">
               <a:rPr lang="en-FI" smtClean="0"/>
-              <a:t>15/03/2024</a:t>
+              <a:t>16/03/2024</a:t>
             </a:fld>
             <a:endParaRPr lang="en-FI"/>
           </a:p>
@@ -2589,7 +2653,7 @@
           <a:p>
             <a:fld id="{75D0A277-1334-4236-85D9-B2D317AA20BB}" type="datetimeFigureOut">
               <a:rPr lang="en-FI" smtClean="0"/>
-              <a:t>15/03/2024</a:t>
+              <a:t>16/03/2024</a:t>
             </a:fld>
             <a:endParaRPr lang="en-FI"/>
           </a:p>
@@ -2707,7 +2771,7 @@
           <a:p>
             <a:fld id="{75D0A277-1334-4236-85D9-B2D317AA20BB}" type="datetimeFigureOut">
               <a:rPr lang="en-FI" smtClean="0"/>
-              <a:t>15/03/2024</a:t>
+              <a:t>16/03/2024</a:t>
             </a:fld>
             <a:endParaRPr lang="en-FI"/>
           </a:p>
@@ -2802,7 +2866,7 @@
           <a:p>
             <a:fld id="{75D0A277-1334-4236-85D9-B2D317AA20BB}" type="datetimeFigureOut">
               <a:rPr lang="en-FI" smtClean="0"/>
-              <a:t>15/03/2024</a:t>
+              <a:t>16/03/2024</a:t>
             </a:fld>
             <a:endParaRPr lang="en-FI"/>
           </a:p>
@@ -3079,7 +3143,7 @@
           <a:p>
             <a:fld id="{75D0A277-1334-4236-85D9-B2D317AA20BB}" type="datetimeFigureOut">
               <a:rPr lang="en-FI" smtClean="0"/>
-              <a:t>15/03/2024</a:t>
+              <a:t>16/03/2024</a:t>
             </a:fld>
             <a:endParaRPr lang="en-FI"/>
           </a:p>
@@ -3336,7 +3400,7 @@
           <a:p>
             <a:fld id="{75D0A277-1334-4236-85D9-B2D317AA20BB}" type="datetimeFigureOut">
               <a:rPr lang="en-FI" smtClean="0"/>
-              <a:t>15/03/2024</a:t>
+              <a:t>16/03/2024</a:t>
             </a:fld>
             <a:endParaRPr lang="en-FI"/>
           </a:p>
@@ -3549,7 +3613,7 @@
           <a:p>
             <a:fld id="{75D0A277-1334-4236-85D9-B2D317AA20BB}" type="datetimeFigureOut">
               <a:rPr lang="en-FI" smtClean="0"/>
-              <a:t>15/03/2024</a:t>
+              <a:t>16/03/2024</a:t>
             </a:fld>
             <a:endParaRPr lang="en-FI"/>
           </a:p>
@@ -3968,6 +4032,357 @@
         </p:nvGrpSpPr>
         <p:grpSpPr>
           <a:xfrm>
+            <a:off x="2704762" y="734366"/>
+            <a:ext cx="6795089" cy="2286132"/>
+            <a:chOff x="2523951" y="597845"/>
+            <a:chExt cx="6795089" cy="2345446"/>
+          </a:xfrm>
+        </p:grpSpPr>
+        <p:sp>
+          <p:nvSpPr>
+            <p:cNvPr id="3" name="Text Box 3">
+              <a:extLst>
+                <a:ext uri="{FF2B5EF4-FFF2-40B4-BE49-F238E27FC236}">
+                  <a16:creationId xmlns:a16="http://schemas.microsoft.com/office/drawing/2014/main" id="{C404225F-4EB9-154C-370B-F266805E2500}"/>
+                </a:ext>
+              </a:extLst>
+            </p:cNvPr>
+            <p:cNvSpPr txBox="1">
+              <a:spLocks noChangeArrowheads="1"/>
+            </p:cNvSpPr>
+            <p:nvPr/>
+          </p:nvSpPr>
+          <p:spPr bwMode="auto">
+            <a:xfrm>
+              <a:off x="2523951" y="597845"/>
+              <a:ext cx="6795089" cy="1550328"/>
+            </a:xfrm>
+            <a:prstGeom prst="rect">
+              <a:avLst/>
+            </a:prstGeom>
+            <a:noFill/>
+            <a:ln>
+              <a:noFill/>
+            </a:ln>
+            <a:effectLst/>
+            <a:extLst>
+              <a:ext uri="{909E8E84-426E-40DD-AFC4-6F175D3DCCD1}">
+                <a14:hiddenFill xmlns:a14="http://schemas.microsoft.com/office/drawing/2010/main">
+                  <a:solidFill>
+                    <a:srgbClr val="5B9BD5"/>
+                  </a:solidFill>
+                </a14:hiddenFill>
+              </a:ext>
+              <a:ext uri="{91240B29-F687-4F45-9708-019B960494DF}">
+                <a14:hiddenLine xmlns:a14="http://schemas.microsoft.com/office/drawing/2010/main" w="25400" algn="ctr">
+                  <a:solidFill>
+                    <a:srgbClr val="000000"/>
+                  </a:solidFill>
+                  <a:miter lim="800000"/>
+                  <a:headEnd/>
+                  <a:tailEnd/>
+                </a14:hiddenLine>
+              </a:ext>
+              <a:ext uri="{AF507438-7753-43E0-B8FC-AC1667EBCBE1}">
+                <a14:hiddenEffects xmlns:a14="http://schemas.microsoft.com/office/drawing/2010/main">
+                  <a:effectLst>
+                    <a:outerShdw dist="35921" dir="2700000" algn="ctr" rotWithShape="0">
+                      <a:srgbClr val="000000"/>
+                    </a:outerShdw>
+                  </a:effectLst>
+                </a14:hiddenEffects>
+              </a:ext>
+            </a:extLst>
+          </p:spPr>
+          <p:txBody>
+            <a:bodyPr vert="horz" wrap="none" lIns="0" tIns="0" rIns="0" bIns="0" numCol="1" anchor="ctr" anchorCtr="0" compatLnSpc="1">
+              <a:prstTxWarp prst="textNoShape">
+                <a:avLst/>
+              </a:prstTxWarp>
+            </a:bodyPr>
+            <a:lstStyle/>
+            <a:p>
+              <a:pPr algn="r" defTabSz="914400" eaLnBrk="0" fontAlgn="base" hangingPunct="0">
+                <a:spcBef>
+                  <a:spcPct val="0"/>
+                </a:spcBef>
+                <a:spcAft>
+                  <a:spcPct val="0"/>
+                </a:spcAft>
+              </a:pPr>
+              <a:r>
+                <a:rPr lang="en-FI" altLang="en-FI" sz="13800" b="1" i="1" dirty="0">
+                  <a:solidFill>
+                    <a:srgbClr val="4D4D4D"/>
+                  </a:solidFill>
+                  <a:latin typeface="Ubuntu" panose="020B0504030602030204" pitchFamily="34" charset="0"/>
+                </a:rPr>
+                <a:t>Suomen</a:t>
+              </a:r>
+              <a:endParaRPr lang="en-FI" altLang="en-FI" sz="13800" b="1" dirty="0">
+                <a:latin typeface="Arial" panose="020B0604020202020204" pitchFamily="34" charset="0"/>
+              </a:endParaRPr>
+            </a:p>
+          </p:txBody>
+        </p:sp>
+        <p:sp>
+          <p:nvSpPr>
+            <p:cNvPr id="4" name="Text Box 4">
+              <a:extLst>
+                <a:ext uri="{FF2B5EF4-FFF2-40B4-BE49-F238E27FC236}">
+                  <a16:creationId xmlns:a16="http://schemas.microsoft.com/office/drawing/2014/main" id="{6A27C49D-2631-B0BB-B113-6105C713D41F}"/>
+                </a:ext>
+              </a:extLst>
+            </p:cNvPr>
+            <p:cNvSpPr txBox="1">
+              <a:spLocks noChangeArrowheads="1"/>
+            </p:cNvSpPr>
+            <p:nvPr/>
+          </p:nvSpPr>
+          <p:spPr bwMode="auto">
+            <a:xfrm>
+              <a:off x="2523951" y="2162282"/>
+              <a:ext cx="6795089" cy="781009"/>
+            </a:xfrm>
+            <a:prstGeom prst="rect">
+              <a:avLst/>
+            </a:prstGeom>
+            <a:noFill/>
+            <a:ln>
+              <a:noFill/>
+            </a:ln>
+            <a:effectLst/>
+            <a:extLst>
+              <a:ext uri="{909E8E84-426E-40DD-AFC4-6F175D3DCCD1}">
+                <a14:hiddenFill xmlns:a14="http://schemas.microsoft.com/office/drawing/2010/main">
+                  <a:solidFill>
+                    <a:srgbClr val="5B9BD5"/>
+                  </a:solidFill>
+                </a14:hiddenFill>
+              </a:ext>
+              <a:ext uri="{91240B29-F687-4F45-9708-019B960494DF}">
+                <a14:hiddenLine xmlns:a14="http://schemas.microsoft.com/office/drawing/2010/main" w="25400" algn="ctr">
+                  <a:solidFill>
+                    <a:srgbClr val="000000"/>
+                  </a:solidFill>
+                  <a:miter lim="800000"/>
+                  <a:headEnd/>
+                  <a:tailEnd/>
+                </a14:hiddenLine>
+              </a:ext>
+              <a:ext uri="{AF507438-7753-43E0-B8FC-AC1667EBCBE1}">
+                <a14:hiddenEffects xmlns:a14="http://schemas.microsoft.com/office/drawing/2010/main">
+                  <a:effectLst>
+                    <a:outerShdw dist="35921" dir="2700000" algn="ctr" rotWithShape="0">
+                      <a:srgbClr val="000000"/>
+                    </a:outerShdw>
+                  </a:effectLst>
+                </a14:hiddenEffects>
+              </a:ext>
+            </a:extLst>
+          </p:spPr>
+          <p:txBody>
+            <a:bodyPr vert="horz" wrap="square" lIns="0" tIns="0" rIns="0" bIns="0" numCol="1" anchor="ctr" anchorCtr="0" compatLnSpc="1">
+              <a:prstTxWarp prst="textNoShape">
+                <a:avLst/>
+              </a:prstTxWarp>
+            </a:bodyPr>
+            <a:lstStyle/>
+            <a:p>
+              <a:pPr algn="r" defTabSz="914400" eaLnBrk="0" fontAlgn="base" hangingPunct="0">
+                <a:spcBef>
+                  <a:spcPct val="0"/>
+                </a:spcBef>
+                <a:spcAft>
+                  <a:spcPct val="0"/>
+                </a:spcAft>
+              </a:pPr>
+              <a:r>
+                <a:rPr lang="fi-FI" altLang="en-FI" sz="7700" b="1" i="1" noProof="1">
+                  <a:solidFill>
+                    <a:srgbClr val="4D4D4D"/>
+                  </a:solidFill>
+                  <a:latin typeface="Calibri" panose="020F0502020204030204" pitchFamily="34" charset="0"/>
+                </a:rPr>
+                <a:t>Bitcoin-yhdistys</a:t>
+              </a:r>
+              <a:endParaRPr lang="fi-FI" altLang="en-FI" sz="7700" b="1" noProof="1">
+                <a:latin typeface="Arial" panose="020B0604020202020204" pitchFamily="34" charset="0"/>
+              </a:endParaRPr>
+            </a:p>
+          </p:txBody>
+        </p:sp>
+      </p:grpSp>
+      <p:pic>
+        <p:nvPicPr>
+          <p:cNvPr id="5" name="Graphic 4">
+            <a:extLst>
+              <a:ext uri="{FF2B5EF4-FFF2-40B4-BE49-F238E27FC236}">
+                <a16:creationId xmlns:a16="http://schemas.microsoft.com/office/drawing/2014/main" id="{11EF052E-35D6-4E6A-95C6-AC199D9C01EB}"/>
+              </a:ext>
+            </a:extLst>
+          </p:cNvPr>
+          <p:cNvPicPr>
+            <a:picLocks noChangeAspect="1"/>
+          </p:cNvPicPr>
+          <p:nvPr/>
+        </p:nvPicPr>
+        <p:blipFill>
+          <a:blip r:embed="rId2">
+            <a:extLst>
+              <a:ext uri="{28A0092B-C50C-407E-A947-70E740481C1C}">
+                <a14:useLocalDpi xmlns:a14="http://schemas.microsoft.com/office/drawing/2010/main" val="0"/>
+              </a:ext>
+              <a:ext uri="{96DAC541-7B7A-43D3-8B79-37D633B846F1}">
+                <asvg:svgBlip xmlns:asvg="http://schemas.microsoft.com/office/drawing/2016/SVG/main" r:embed="rId3"/>
+              </a:ext>
+            </a:extLst>
+          </a:blip>
+          <a:stretch>
+            <a:fillRect/>
+          </a:stretch>
+        </p:blipFill>
+        <p:spPr>
+          <a:xfrm>
+            <a:off x="220412" y="220466"/>
+            <a:ext cx="2793720" cy="2794402"/>
+          </a:xfrm>
+          <a:prstGeom prst="rect">
+            <a:avLst/>
+          </a:prstGeom>
+        </p:spPr>
+      </p:pic>
+      <p:sp>
+        <p:nvSpPr>
+          <p:cNvPr id="2" name="Text Box 4">
+            <a:extLst>
+              <a:ext uri="{FF2B5EF4-FFF2-40B4-BE49-F238E27FC236}">
+                <a16:creationId xmlns:a16="http://schemas.microsoft.com/office/drawing/2014/main" id="{5C792634-7BD4-248C-B2AA-271A6A4338AC}"/>
+              </a:ext>
+            </a:extLst>
+          </p:cNvPr>
+          <p:cNvSpPr txBox="1">
+            <a:spLocks noChangeArrowheads="1"/>
+          </p:cNvSpPr>
+          <p:nvPr/>
+        </p:nvSpPr>
+        <p:spPr bwMode="auto">
+          <a:xfrm>
+            <a:off x="2704762" y="13880"/>
+            <a:ext cx="6795089" cy="761258"/>
+          </a:xfrm>
+          <a:prstGeom prst="rect">
+            <a:avLst/>
+          </a:prstGeom>
+          <a:noFill/>
+          <a:ln>
+            <a:noFill/>
+          </a:ln>
+          <a:effectLst/>
+          <a:extLst>
+            <a:ext uri="{909E8E84-426E-40DD-AFC4-6F175D3DCCD1}">
+              <a14:hiddenFill xmlns:a14="http://schemas.microsoft.com/office/drawing/2010/main">
+                <a:solidFill>
+                  <a:srgbClr val="5B9BD5"/>
+                </a:solidFill>
+              </a14:hiddenFill>
+            </a:ext>
+            <a:ext uri="{91240B29-F687-4F45-9708-019B960494DF}">
+              <a14:hiddenLine xmlns:a14="http://schemas.microsoft.com/office/drawing/2010/main" w="25400" algn="ctr">
+                <a:solidFill>
+                  <a:srgbClr val="000000"/>
+                </a:solidFill>
+                <a:miter lim="800000"/>
+                <a:headEnd/>
+                <a:tailEnd/>
+              </a14:hiddenLine>
+            </a:ext>
+            <a:ext uri="{AF507438-7753-43E0-B8FC-AC1667EBCBE1}">
+              <a14:hiddenEffects xmlns:a14="http://schemas.microsoft.com/office/drawing/2010/main">
+                <a:effectLst>
+                  <a:outerShdw dist="35921" dir="2700000" algn="ctr" rotWithShape="0">
+                    <a:srgbClr val="000000"/>
+                  </a:outerShdw>
+                </a:effectLst>
+              </a14:hiddenEffects>
+            </a:ext>
+          </a:extLst>
+        </p:spPr>
+        <p:txBody>
+          <a:bodyPr vert="horz" wrap="square" lIns="0" tIns="0" rIns="0" bIns="0" numCol="1" anchor="ctr" anchorCtr="0" compatLnSpc="1">
+            <a:prstTxWarp prst="textNoShape">
+              <a:avLst/>
+            </a:prstTxWarp>
+          </a:bodyPr>
+          <a:lstStyle/>
+          <a:p>
+            <a:pPr algn="r" defTabSz="914400" eaLnBrk="0" fontAlgn="base" hangingPunct="0">
+              <a:spcBef>
+                <a:spcPct val="0"/>
+              </a:spcBef>
+              <a:spcAft>
+                <a:spcPct val="0"/>
+              </a:spcAft>
+            </a:pPr>
+            <a:r>
+              <a:rPr lang="en-FI" altLang="en-FI" sz="7700" i="1" noProof="1">
+                <a:solidFill>
+                  <a:srgbClr val="4D4D4D"/>
+                </a:solidFill>
+                <a:latin typeface="Calibri" panose="020F0502020204030204" pitchFamily="34" charset="0"/>
+              </a:rPr>
+              <a:t>varattu</a:t>
+            </a:r>
+            <a:endParaRPr lang="fi-FI" altLang="en-FI" sz="7700" noProof="1">
+              <a:latin typeface="Arial" panose="020B0604020202020204" pitchFamily="34" charset="0"/>
+            </a:endParaRPr>
+          </a:p>
+        </p:txBody>
+      </p:sp>
+    </p:spTree>
+    <p:extLst>
+      <p:ext uri="{BB962C8B-B14F-4D97-AF65-F5344CB8AC3E}">
+        <p14:creationId xmlns:p14="http://schemas.microsoft.com/office/powerpoint/2010/main" val="1650475039"/>
+      </p:ext>
+    </p:extLst>
+  </p:cSld>
+  <p:clrMapOvr>
+    <a:masterClrMapping/>
+  </p:clrMapOvr>
+</p:sld>
+</file>
+
+<file path=ppt/slides/slide2.xml><?xml version="1.0" encoding="utf-8"?>
+<p:sld xmlns:a="http://schemas.openxmlformats.org/drawingml/2006/main" xmlns:r="http://schemas.openxmlformats.org/officeDocument/2006/relationships" xmlns:p="http://schemas.openxmlformats.org/presentationml/2006/main" showMasterSp="0">
+  <p:cSld>
+    <p:spTree>
+      <p:nvGrpSpPr>
+        <p:cNvPr id="1" name=""/>
+        <p:cNvGrpSpPr/>
+        <p:nvPr/>
+      </p:nvGrpSpPr>
+      <p:grpSpPr>
+        <a:xfrm>
+          <a:off x="0" y="0"/>
+          <a:ext cx="0" cy="0"/>
+          <a:chOff x="0" y="0"/>
+          <a:chExt cx="0" cy="0"/>
+        </a:xfrm>
+      </p:grpSpPr>
+      <p:grpSp>
+        <p:nvGrpSpPr>
+          <p:cNvPr id="38" name="Group 37">
+            <a:extLst>
+              <a:ext uri="{FF2B5EF4-FFF2-40B4-BE49-F238E27FC236}">
+                <a16:creationId xmlns:a16="http://schemas.microsoft.com/office/drawing/2014/main" id="{903AFFB8-7333-CA7E-3061-936D3CC39B64}"/>
+              </a:ext>
+            </a:extLst>
+          </p:cNvPr>
+          <p:cNvGrpSpPr/>
+          <p:nvPr/>
+        </p:nvGrpSpPr>
+        <p:grpSpPr>
+          <a:xfrm>
             <a:off x="2523952" y="126788"/>
             <a:ext cx="6795089" cy="2636322"/>
             <a:chOff x="2523951" y="306968"/>
@@ -4366,7 +4781,7 @@
 </p:sld>
 </file>
 
-<file path=ppt/slides/slide2.xml><?xml version="1.0" encoding="utf-8"?>
+<file path=ppt/slides/slide3.xml><?xml version="1.0" encoding="utf-8"?>
 <p:sld xmlns:a="http://schemas.openxmlformats.org/drawingml/2006/main" xmlns:r="http://schemas.openxmlformats.org/officeDocument/2006/relationships" xmlns:p="http://schemas.openxmlformats.org/presentationml/2006/main" showMasterSp="0">
   <p:cSld>
     <p:spTree>
@@ -4795,7 +5210,7 @@
 </p:sld>
 </file>
 
-<file path=ppt/slides/slide3.xml><?xml version="1.0" encoding="utf-8"?>
+<file path=ppt/slides/slide4.xml><?xml version="1.0" encoding="utf-8"?>
 <p:sld xmlns:a="http://schemas.openxmlformats.org/drawingml/2006/main" xmlns:r="http://schemas.openxmlformats.org/officeDocument/2006/relationships" xmlns:p="http://schemas.openxmlformats.org/presentationml/2006/main" showMasterSp="0">
   <p:cSld>
     <p:spTree>
@@ -5215,7 +5630,7 @@
 </p:sld>
 </file>
 
-<file path=ppt/slides/slide4.xml><?xml version="1.0" encoding="utf-8"?>
+<file path=ppt/slides/slide5.xml><?xml version="1.0" encoding="utf-8"?>
 <p:sld xmlns:a="http://schemas.openxmlformats.org/drawingml/2006/main" xmlns:r="http://schemas.openxmlformats.org/officeDocument/2006/relationships" xmlns:p="http://schemas.openxmlformats.org/presentationml/2006/main" showMasterSp="0">
   <p:cSld>
     <p:spTree>
@@ -5644,7 +6059,7 @@
 </p:sld>
 </file>
 
-<file path=ppt/slides/slide5.xml><?xml version="1.0" encoding="utf-8"?>
+<file path=ppt/slides/slide6.xml><?xml version="1.0" encoding="utf-8"?>
 <p:sld xmlns:a="http://schemas.openxmlformats.org/drawingml/2006/main" xmlns:r="http://schemas.openxmlformats.org/officeDocument/2006/relationships" xmlns:p="http://schemas.openxmlformats.org/presentationml/2006/main" showMasterSp="0">
   <p:cSld>
     <p:spTree>
@@ -6082,7 +6497,7 @@
 </p:sld>
 </file>
 
-<file path=ppt/slides/slide6.xml><?xml version="1.0" encoding="utf-8"?>
+<file path=ppt/slides/slide7.xml><?xml version="1.0" encoding="utf-8"?>
 <p:sld xmlns:a="http://schemas.openxmlformats.org/drawingml/2006/main" xmlns:r="http://schemas.openxmlformats.org/officeDocument/2006/relationships" xmlns:p="http://schemas.openxmlformats.org/presentationml/2006/main" showMasterSp="0">
   <p:cSld>
     <p:spTree>
@@ -6502,7 +6917,7 @@
 </p:sld>
 </file>
 
-<file path=ppt/slides/slide7.xml><?xml version="1.0" encoding="utf-8"?>
+<file path=ppt/slides/slide8.xml><?xml version="1.0" encoding="utf-8"?>
 <p:sld xmlns:a="http://schemas.openxmlformats.org/drawingml/2006/main" xmlns:r="http://schemas.openxmlformats.org/officeDocument/2006/relationships" xmlns:p="http://schemas.openxmlformats.org/presentationml/2006/main" showMasterSp="0">
   <p:cSld>
     <p:spTree>
@@ -7720,7 +8135,7 @@
 </p:sld>
 </file>
 
-<file path=ppt/slides/slide8.xml><?xml version="1.0" encoding="utf-8"?>
+<file path=ppt/slides/slide9.xml><?xml version="1.0" encoding="utf-8"?>
 <p:sld xmlns:a="http://schemas.openxmlformats.org/drawingml/2006/main" xmlns:r="http://schemas.openxmlformats.org/officeDocument/2006/relationships" xmlns:p="http://schemas.openxmlformats.org/presentationml/2006/main" showMasterSp="0">
   <p:cSld>
     <p:spTree>
